--- a/ppt 16-9/0418.我须去传福音.pptx
+++ b/ppt 16-9/0418.我须去传福音.pptx
@@ -5,7 +5,7 @@
     <p:sldMasterId id="2147483648" r:id="rId1"/>
   </p:sldMasterIdLst>
   <p:sldIdLst>
-    <p:sldId id="2895" r:id="rId2"/>
+    <p:sldId id="2896" r:id="rId2"/>
   </p:sldIdLst>
   <p:sldSz cx="12192000" cy="6858000"/>
   <p:notesSz cx="6858000" cy="9144000"/>
@@ -129,7 +129,7 @@
           <p:cNvPr id="2" name="标题 1">
             <a:extLst>
               <a:ext uri="{FF2B5EF4-FFF2-40B4-BE49-F238E27FC236}">
-                <a16:creationId xmlns:a16="http://schemas.microsoft.com/office/drawing/2014/main" id="{77063B7E-E41C-0246-868A-D6BE98E5AFF1}"/>
+                <a16:creationId xmlns:a16="http://schemas.microsoft.com/office/drawing/2014/main" id="{E9AAE6E9-E8F4-D647-589A-8B9EF3F4DF6F}"/>
               </a:ext>
             </a:extLst>
           </p:cNvPr>
@@ -166,7 +166,7 @@
           <p:cNvPr id="3" name="副标题 2">
             <a:extLst>
               <a:ext uri="{FF2B5EF4-FFF2-40B4-BE49-F238E27FC236}">
-                <a16:creationId xmlns:a16="http://schemas.microsoft.com/office/drawing/2014/main" id="{B05CB058-AF4D-83CD-7587-A2C1C8C6F048}"/>
+                <a16:creationId xmlns:a16="http://schemas.microsoft.com/office/drawing/2014/main" id="{8054EE53-E8AF-5C2F-C9A4-6DA945937F1D}"/>
               </a:ext>
             </a:extLst>
           </p:cNvPr>
@@ -236,7 +236,7 @@
           <p:cNvPr id="4" name="日期占位符 3">
             <a:extLst>
               <a:ext uri="{FF2B5EF4-FFF2-40B4-BE49-F238E27FC236}">
-                <a16:creationId xmlns:a16="http://schemas.microsoft.com/office/drawing/2014/main" id="{EC201A88-0221-B53B-8D2F-81A722037E5D}"/>
+                <a16:creationId xmlns:a16="http://schemas.microsoft.com/office/drawing/2014/main" id="{4B29D35B-6E97-A071-3D76-0D3F9EB2F5BB}"/>
               </a:ext>
             </a:extLst>
           </p:cNvPr>
@@ -252,7 +252,7 @@
           <a:bodyPr/>
           <a:lstStyle/>
           <a:p>
-            <a:fld id="{F3C43C17-5A91-467D-A3F4-4D3BC3AFC442}" type="datetimeFigureOut">
+            <a:fld id="{2168DDBA-0C92-435F-B883-8F6E3DA821E4}" type="datetimeFigureOut">
               <a:rPr lang="zh-CN" altLang="en-US" smtClean="0"/>
               <a:t>2024/3/10</a:t>
             </a:fld>
@@ -265,7 +265,7 @@
           <p:cNvPr id="5" name="页脚占位符 4">
             <a:extLst>
               <a:ext uri="{FF2B5EF4-FFF2-40B4-BE49-F238E27FC236}">
-                <a16:creationId xmlns:a16="http://schemas.microsoft.com/office/drawing/2014/main" id="{BC3D2D3A-DA38-32AE-7F06-B117630D2D4A}"/>
+                <a16:creationId xmlns:a16="http://schemas.microsoft.com/office/drawing/2014/main" id="{78C28A11-47BE-472C-8DBD-76D150CE0C22}"/>
               </a:ext>
             </a:extLst>
           </p:cNvPr>
@@ -290,7 +290,7 @@
           <p:cNvPr id="6" name="灯片编号占位符 5">
             <a:extLst>
               <a:ext uri="{FF2B5EF4-FFF2-40B4-BE49-F238E27FC236}">
-                <a16:creationId xmlns:a16="http://schemas.microsoft.com/office/drawing/2014/main" id="{41331C81-B26D-0DC1-795D-42F29BDCC9DA}"/>
+                <a16:creationId xmlns:a16="http://schemas.microsoft.com/office/drawing/2014/main" id="{3EBD0639-2231-9DEB-7FF4-F98224EC293E}"/>
               </a:ext>
             </a:extLst>
           </p:cNvPr>
@@ -306,7 +306,7 @@
           <a:bodyPr/>
           <a:lstStyle/>
           <a:p>
-            <a:fld id="{817E6F54-4845-4219-AD59-5804FC835621}" type="slidenum">
+            <a:fld id="{F1DBF208-221E-41EA-9543-EFC3B52DA92F}" type="slidenum">
               <a:rPr lang="zh-CN" altLang="en-US" smtClean="0"/>
               <a:t>‹#›</a:t>
             </a:fld>
@@ -317,7 +317,7 @@
     </p:spTree>
     <p:extLst>
       <p:ext uri="{BB962C8B-B14F-4D97-AF65-F5344CB8AC3E}">
-        <p14:creationId xmlns:p14="http://schemas.microsoft.com/office/powerpoint/2010/main" val="2144710029"/>
+        <p14:creationId xmlns:p14="http://schemas.microsoft.com/office/powerpoint/2010/main" val="18079076"/>
       </p:ext>
     </p:extLst>
   </p:cSld>
@@ -349,7 +349,7 @@
           <p:cNvPr id="2" name="标题 1">
             <a:extLst>
               <a:ext uri="{FF2B5EF4-FFF2-40B4-BE49-F238E27FC236}">
-                <a16:creationId xmlns:a16="http://schemas.microsoft.com/office/drawing/2014/main" id="{21572FD0-41CE-60B5-B5B4-5BFA4C9A9569}"/>
+                <a16:creationId xmlns:a16="http://schemas.microsoft.com/office/drawing/2014/main" id="{C48ED675-A4AC-C485-D316-0A66C72B33C3}"/>
               </a:ext>
             </a:extLst>
           </p:cNvPr>
@@ -377,7 +377,7 @@
           <p:cNvPr id="3" name="竖排文字占位符 2">
             <a:extLst>
               <a:ext uri="{FF2B5EF4-FFF2-40B4-BE49-F238E27FC236}">
-                <a16:creationId xmlns:a16="http://schemas.microsoft.com/office/drawing/2014/main" id="{370A0E97-36AA-3046-5794-2D682CD50986}"/>
+                <a16:creationId xmlns:a16="http://schemas.microsoft.com/office/drawing/2014/main" id="{5D72D5AD-1657-8F05-DCC6-CC86139DE679}"/>
               </a:ext>
             </a:extLst>
           </p:cNvPr>
@@ -434,7 +434,7 @@
           <p:cNvPr id="4" name="日期占位符 3">
             <a:extLst>
               <a:ext uri="{FF2B5EF4-FFF2-40B4-BE49-F238E27FC236}">
-                <a16:creationId xmlns:a16="http://schemas.microsoft.com/office/drawing/2014/main" id="{7663D150-E721-EF56-50EB-2A0D79F6B0FA}"/>
+                <a16:creationId xmlns:a16="http://schemas.microsoft.com/office/drawing/2014/main" id="{7086417B-CB8E-1745-1BDB-C47AB25501F7}"/>
               </a:ext>
             </a:extLst>
           </p:cNvPr>
@@ -450,7 +450,7 @@
           <a:bodyPr/>
           <a:lstStyle/>
           <a:p>
-            <a:fld id="{F3C43C17-5A91-467D-A3F4-4D3BC3AFC442}" type="datetimeFigureOut">
+            <a:fld id="{2168DDBA-0C92-435F-B883-8F6E3DA821E4}" type="datetimeFigureOut">
               <a:rPr lang="zh-CN" altLang="en-US" smtClean="0"/>
               <a:t>2024/3/10</a:t>
             </a:fld>
@@ -463,7 +463,7 @@
           <p:cNvPr id="5" name="页脚占位符 4">
             <a:extLst>
               <a:ext uri="{FF2B5EF4-FFF2-40B4-BE49-F238E27FC236}">
-                <a16:creationId xmlns:a16="http://schemas.microsoft.com/office/drawing/2014/main" id="{723BC035-CA3F-AAA7-643B-DA92DC85B2AE}"/>
+                <a16:creationId xmlns:a16="http://schemas.microsoft.com/office/drawing/2014/main" id="{1FDF3BB6-1A0A-3DC4-75C6-C595536D7338}"/>
               </a:ext>
             </a:extLst>
           </p:cNvPr>
@@ -488,7 +488,7 @@
           <p:cNvPr id="6" name="灯片编号占位符 5">
             <a:extLst>
               <a:ext uri="{FF2B5EF4-FFF2-40B4-BE49-F238E27FC236}">
-                <a16:creationId xmlns:a16="http://schemas.microsoft.com/office/drawing/2014/main" id="{D20D97A8-82EE-0E64-0207-87AE9164FD90}"/>
+                <a16:creationId xmlns:a16="http://schemas.microsoft.com/office/drawing/2014/main" id="{DF88CF7B-55D3-FCC3-71F0-348C00E55490}"/>
               </a:ext>
             </a:extLst>
           </p:cNvPr>
@@ -504,7 +504,7 @@
           <a:bodyPr/>
           <a:lstStyle/>
           <a:p>
-            <a:fld id="{817E6F54-4845-4219-AD59-5804FC835621}" type="slidenum">
+            <a:fld id="{F1DBF208-221E-41EA-9543-EFC3B52DA92F}" type="slidenum">
               <a:rPr lang="zh-CN" altLang="en-US" smtClean="0"/>
               <a:t>‹#›</a:t>
             </a:fld>
@@ -515,7 +515,7 @@
     </p:spTree>
     <p:extLst>
       <p:ext uri="{BB962C8B-B14F-4D97-AF65-F5344CB8AC3E}">
-        <p14:creationId xmlns:p14="http://schemas.microsoft.com/office/powerpoint/2010/main" val="1464515298"/>
+        <p14:creationId xmlns:p14="http://schemas.microsoft.com/office/powerpoint/2010/main" val="3272599769"/>
       </p:ext>
     </p:extLst>
   </p:cSld>
@@ -547,7 +547,7 @@
           <p:cNvPr id="2" name="竖排标题 1">
             <a:extLst>
               <a:ext uri="{FF2B5EF4-FFF2-40B4-BE49-F238E27FC236}">
-                <a16:creationId xmlns:a16="http://schemas.microsoft.com/office/drawing/2014/main" id="{8C495AE0-5BCD-C0FA-CCFF-0AE6855CBFAA}"/>
+                <a16:creationId xmlns:a16="http://schemas.microsoft.com/office/drawing/2014/main" id="{DC09BE63-1B09-98E6-80F3-32A4E510A3B2}"/>
               </a:ext>
             </a:extLst>
           </p:cNvPr>
@@ -580,7 +580,7 @@
           <p:cNvPr id="3" name="竖排文字占位符 2">
             <a:extLst>
               <a:ext uri="{FF2B5EF4-FFF2-40B4-BE49-F238E27FC236}">
-                <a16:creationId xmlns:a16="http://schemas.microsoft.com/office/drawing/2014/main" id="{CE3B06E9-D46B-9EC9-4D1B-E875BFED54CE}"/>
+                <a16:creationId xmlns:a16="http://schemas.microsoft.com/office/drawing/2014/main" id="{7991895E-2EF6-62C6-AAF9-85EF3C23C2E2}"/>
               </a:ext>
             </a:extLst>
           </p:cNvPr>
@@ -642,7 +642,7 @@
           <p:cNvPr id="4" name="日期占位符 3">
             <a:extLst>
               <a:ext uri="{FF2B5EF4-FFF2-40B4-BE49-F238E27FC236}">
-                <a16:creationId xmlns:a16="http://schemas.microsoft.com/office/drawing/2014/main" id="{32488E05-0FF7-9D2C-015F-7AE176C0F58A}"/>
+                <a16:creationId xmlns:a16="http://schemas.microsoft.com/office/drawing/2014/main" id="{98070BE2-710C-0CCF-9C43-8CD4506A799D}"/>
               </a:ext>
             </a:extLst>
           </p:cNvPr>
@@ -658,7 +658,7 @@
           <a:bodyPr/>
           <a:lstStyle/>
           <a:p>
-            <a:fld id="{F3C43C17-5A91-467D-A3F4-4D3BC3AFC442}" type="datetimeFigureOut">
+            <a:fld id="{2168DDBA-0C92-435F-B883-8F6E3DA821E4}" type="datetimeFigureOut">
               <a:rPr lang="zh-CN" altLang="en-US" smtClean="0"/>
               <a:t>2024/3/10</a:t>
             </a:fld>
@@ -671,7 +671,7 @@
           <p:cNvPr id="5" name="页脚占位符 4">
             <a:extLst>
               <a:ext uri="{FF2B5EF4-FFF2-40B4-BE49-F238E27FC236}">
-                <a16:creationId xmlns:a16="http://schemas.microsoft.com/office/drawing/2014/main" id="{73246755-AD09-2206-4817-060F28671CEC}"/>
+                <a16:creationId xmlns:a16="http://schemas.microsoft.com/office/drawing/2014/main" id="{9CCF536F-5533-4382-5392-5F25D35B71DA}"/>
               </a:ext>
             </a:extLst>
           </p:cNvPr>
@@ -696,7 +696,7 @@
           <p:cNvPr id="6" name="灯片编号占位符 5">
             <a:extLst>
               <a:ext uri="{FF2B5EF4-FFF2-40B4-BE49-F238E27FC236}">
-                <a16:creationId xmlns:a16="http://schemas.microsoft.com/office/drawing/2014/main" id="{61713429-F9AF-2817-DACF-A2EC05E922C2}"/>
+                <a16:creationId xmlns:a16="http://schemas.microsoft.com/office/drawing/2014/main" id="{7FBFA597-6E58-1423-4DC6-407566BDAE33}"/>
               </a:ext>
             </a:extLst>
           </p:cNvPr>
@@ -712,7 +712,7 @@
           <a:bodyPr/>
           <a:lstStyle/>
           <a:p>
-            <a:fld id="{817E6F54-4845-4219-AD59-5804FC835621}" type="slidenum">
+            <a:fld id="{F1DBF208-221E-41EA-9543-EFC3B52DA92F}" type="slidenum">
               <a:rPr lang="zh-CN" altLang="en-US" smtClean="0"/>
               <a:t>‹#›</a:t>
             </a:fld>
@@ -723,7 +723,7 @@
     </p:spTree>
     <p:extLst>
       <p:ext uri="{BB962C8B-B14F-4D97-AF65-F5344CB8AC3E}">
-        <p14:creationId xmlns:p14="http://schemas.microsoft.com/office/powerpoint/2010/main" val="2550094606"/>
+        <p14:creationId xmlns:p14="http://schemas.microsoft.com/office/powerpoint/2010/main" val="3255401200"/>
       </p:ext>
     </p:extLst>
   </p:cSld>
@@ -755,7 +755,7 @@
           <p:cNvPr id="2" name="标题 1">
             <a:extLst>
               <a:ext uri="{FF2B5EF4-FFF2-40B4-BE49-F238E27FC236}">
-                <a16:creationId xmlns:a16="http://schemas.microsoft.com/office/drawing/2014/main" id="{F9A10EA8-93CC-A9E1-3EC0-C9DE9A21E490}"/>
+                <a16:creationId xmlns:a16="http://schemas.microsoft.com/office/drawing/2014/main" id="{A250E783-7FA6-E492-AD5F-CE56A52895B5}"/>
               </a:ext>
             </a:extLst>
           </p:cNvPr>
@@ -783,7 +783,7 @@
           <p:cNvPr id="3" name="内容占位符 2">
             <a:extLst>
               <a:ext uri="{FF2B5EF4-FFF2-40B4-BE49-F238E27FC236}">
-                <a16:creationId xmlns:a16="http://schemas.microsoft.com/office/drawing/2014/main" id="{A046E98A-01E7-D079-1DF8-E5BE1928BAD3}"/>
+                <a16:creationId xmlns:a16="http://schemas.microsoft.com/office/drawing/2014/main" id="{AC20CC26-6232-ECBD-88ED-327AA94ABB0B}"/>
               </a:ext>
             </a:extLst>
           </p:cNvPr>
@@ -840,7 +840,7 @@
           <p:cNvPr id="4" name="日期占位符 3">
             <a:extLst>
               <a:ext uri="{FF2B5EF4-FFF2-40B4-BE49-F238E27FC236}">
-                <a16:creationId xmlns:a16="http://schemas.microsoft.com/office/drawing/2014/main" id="{5B8B55D3-2AA5-C1B1-5577-56351EEF6AFD}"/>
+                <a16:creationId xmlns:a16="http://schemas.microsoft.com/office/drawing/2014/main" id="{E8D6FE4D-6CBB-EEC6-6895-E5B6547FBA32}"/>
               </a:ext>
             </a:extLst>
           </p:cNvPr>
@@ -856,7 +856,7 @@
           <a:bodyPr/>
           <a:lstStyle/>
           <a:p>
-            <a:fld id="{F3C43C17-5A91-467D-A3F4-4D3BC3AFC442}" type="datetimeFigureOut">
+            <a:fld id="{2168DDBA-0C92-435F-B883-8F6E3DA821E4}" type="datetimeFigureOut">
               <a:rPr lang="zh-CN" altLang="en-US" smtClean="0"/>
               <a:t>2024/3/10</a:t>
             </a:fld>
@@ -869,7 +869,7 @@
           <p:cNvPr id="5" name="页脚占位符 4">
             <a:extLst>
               <a:ext uri="{FF2B5EF4-FFF2-40B4-BE49-F238E27FC236}">
-                <a16:creationId xmlns:a16="http://schemas.microsoft.com/office/drawing/2014/main" id="{0AB945DF-2ABC-8628-F354-3B1726ADA7B3}"/>
+                <a16:creationId xmlns:a16="http://schemas.microsoft.com/office/drawing/2014/main" id="{61D66B65-FE5C-24B2-4B33-881C1E84CCEF}"/>
               </a:ext>
             </a:extLst>
           </p:cNvPr>
@@ -894,7 +894,7 @@
           <p:cNvPr id="6" name="灯片编号占位符 5">
             <a:extLst>
               <a:ext uri="{FF2B5EF4-FFF2-40B4-BE49-F238E27FC236}">
-                <a16:creationId xmlns:a16="http://schemas.microsoft.com/office/drawing/2014/main" id="{8CD21C82-090C-2A7B-19BF-2BDEDFA094BF}"/>
+                <a16:creationId xmlns:a16="http://schemas.microsoft.com/office/drawing/2014/main" id="{06822518-747A-70AB-E847-C507E96B3CAF}"/>
               </a:ext>
             </a:extLst>
           </p:cNvPr>
@@ -910,7 +910,7 @@
           <a:bodyPr/>
           <a:lstStyle/>
           <a:p>
-            <a:fld id="{817E6F54-4845-4219-AD59-5804FC835621}" type="slidenum">
+            <a:fld id="{F1DBF208-221E-41EA-9543-EFC3B52DA92F}" type="slidenum">
               <a:rPr lang="zh-CN" altLang="en-US" smtClean="0"/>
               <a:t>‹#›</a:t>
             </a:fld>
@@ -921,7 +921,7 @@
     </p:spTree>
     <p:extLst>
       <p:ext uri="{BB962C8B-B14F-4D97-AF65-F5344CB8AC3E}">
-        <p14:creationId xmlns:p14="http://schemas.microsoft.com/office/powerpoint/2010/main" val="1386776641"/>
+        <p14:creationId xmlns:p14="http://schemas.microsoft.com/office/powerpoint/2010/main" val="181602745"/>
       </p:ext>
     </p:extLst>
   </p:cSld>
@@ -953,7 +953,7 @@
           <p:cNvPr id="2" name="标题 1">
             <a:extLst>
               <a:ext uri="{FF2B5EF4-FFF2-40B4-BE49-F238E27FC236}">
-                <a16:creationId xmlns:a16="http://schemas.microsoft.com/office/drawing/2014/main" id="{AC7A4E87-640B-2D21-DD16-FE6709E0F9C4}"/>
+                <a16:creationId xmlns:a16="http://schemas.microsoft.com/office/drawing/2014/main" id="{64091492-C583-D22F-9011-1EB2CE83F173}"/>
               </a:ext>
             </a:extLst>
           </p:cNvPr>
@@ -990,7 +990,7 @@
           <p:cNvPr id="3" name="文本占位符 2">
             <a:extLst>
               <a:ext uri="{FF2B5EF4-FFF2-40B4-BE49-F238E27FC236}">
-                <a16:creationId xmlns:a16="http://schemas.microsoft.com/office/drawing/2014/main" id="{6060BB3E-4255-11FB-F452-BC32952166E9}"/>
+                <a16:creationId xmlns:a16="http://schemas.microsoft.com/office/drawing/2014/main" id="{F03A80DE-E0F8-BBCB-F19B-17F3F28A6048}"/>
               </a:ext>
             </a:extLst>
           </p:cNvPr>
@@ -1115,7 +1115,7 @@
           <p:cNvPr id="4" name="日期占位符 3">
             <a:extLst>
               <a:ext uri="{FF2B5EF4-FFF2-40B4-BE49-F238E27FC236}">
-                <a16:creationId xmlns:a16="http://schemas.microsoft.com/office/drawing/2014/main" id="{6B149BE6-D1EF-2858-5E4A-12B67E2ACD6C}"/>
+                <a16:creationId xmlns:a16="http://schemas.microsoft.com/office/drawing/2014/main" id="{2675298E-422D-3FFA-015B-3588B850D410}"/>
               </a:ext>
             </a:extLst>
           </p:cNvPr>
@@ -1131,7 +1131,7 @@
           <a:bodyPr/>
           <a:lstStyle/>
           <a:p>
-            <a:fld id="{F3C43C17-5A91-467D-A3F4-4D3BC3AFC442}" type="datetimeFigureOut">
+            <a:fld id="{2168DDBA-0C92-435F-B883-8F6E3DA821E4}" type="datetimeFigureOut">
               <a:rPr lang="zh-CN" altLang="en-US" smtClean="0"/>
               <a:t>2024/3/10</a:t>
             </a:fld>
@@ -1144,7 +1144,7 @@
           <p:cNvPr id="5" name="页脚占位符 4">
             <a:extLst>
               <a:ext uri="{FF2B5EF4-FFF2-40B4-BE49-F238E27FC236}">
-                <a16:creationId xmlns:a16="http://schemas.microsoft.com/office/drawing/2014/main" id="{82602340-1950-04A0-DFEC-D8223F8562D3}"/>
+                <a16:creationId xmlns:a16="http://schemas.microsoft.com/office/drawing/2014/main" id="{1C9C443A-C3CA-B8A7-2992-17F3C18FB1F8}"/>
               </a:ext>
             </a:extLst>
           </p:cNvPr>
@@ -1169,7 +1169,7 @@
           <p:cNvPr id="6" name="灯片编号占位符 5">
             <a:extLst>
               <a:ext uri="{FF2B5EF4-FFF2-40B4-BE49-F238E27FC236}">
-                <a16:creationId xmlns:a16="http://schemas.microsoft.com/office/drawing/2014/main" id="{4A9D7B56-92DA-E924-8AAE-DBC03241F9A6}"/>
+                <a16:creationId xmlns:a16="http://schemas.microsoft.com/office/drawing/2014/main" id="{FCF9333F-B678-EF87-82A5-22E39B7C43BA}"/>
               </a:ext>
             </a:extLst>
           </p:cNvPr>
@@ -1185,7 +1185,7 @@
           <a:bodyPr/>
           <a:lstStyle/>
           <a:p>
-            <a:fld id="{817E6F54-4845-4219-AD59-5804FC835621}" type="slidenum">
+            <a:fld id="{F1DBF208-221E-41EA-9543-EFC3B52DA92F}" type="slidenum">
               <a:rPr lang="zh-CN" altLang="en-US" smtClean="0"/>
               <a:t>‹#›</a:t>
             </a:fld>
@@ -1196,7 +1196,7 @@
     </p:spTree>
     <p:extLst>
       <p:ext uri="{BB962C8B-B14F-4D97-AF65-F5344CB8AC3E}">
-        <p14:creationId xmlns:p14="http://schemas.microsoft.com/office/powerpoint/2010/main" val="3741131300"/>
+        <p14:creationId xmlns:p14="http://schemas.microsoft.com/office/powerpoint/2010/main" val="3060238903"/>
       </p:ext>
     </p:extLst>
   </p:cSld>
@@ -1228,7 +1228,7 @@
           <p:cNvPr id="2" name="标题 1">
             <a:extLst>
               <a:ext uri="{FF2B5EF4-FFF2-40B4-BE49-F238E27FC236}">
-                <a16:creationId xmlns:a16="http://schemas.microsoft.com/office/drawing/2014/main" id="{94B08B50-EA4C-E52E-A45E-16577392DF81}"/>
+                <a16:creationId xmlns:a16="http://schemas.microsoft.com/office/drawing/2014/main" id="{D79C779E-EF5C-CA5F-DB74-25011149E94E}"/>
               </a:ext>
             </a:extLst>
           </p:cNvPr>
@@ -1256,7 +1256,7 @@
           <p:cNvPr id="3" name="内容占位符 2">
             <a:extLst>
               <a:ext uri="{FF2B5EF4-FFF2-40B4-BE49-F238E27FC236}">
-                <a16:creationId xmlns:a16="http://schemas.microsoft.com/office/drawing/2014/main" id="{3AE7ACFB-518C-1486-35BC-E8771EFE98A5}"/>
+                <a16:creationId xmlns:a16="http://schemas.microsoft.com/office/drawing/2014/main" id="{6BEEBC47-7E52-4C28-5A20-BC84EB89A742}"/>
               </a:ext>
             </a:extLst>
           </p:cNvPr>
@@ -1318,7 +1318,7 @@
           <p:cNvPr id="4" name="内容占位符 3">
             <a:extLst>
               <a:ext uri="{FF2B5EF4-FFF2-40B4-BE49-F238E27FC236}">
-                <a16:creationId xmlns:a16="http://schemas.microsoft.com/office/drawing/2014/main" id="{71095DD6-D2AF-47EA-A6C1-747EE4F6F960}"/>
+                <a16:creationId xmlns:a16="http://schemas.microsoft.com/office/drawing/2014/main" id="{B553359F-4FD0-9057-488C-7440DB34E65F}"/>
               </a:ext>
             </a:extLst>
           </p:cNvPr>
@@ -1380,7 +1380,7 @@
           <p:cNvPr id="5" name="日期占位符 4">
             <a:extLst>
               <a:ext uri="{FF2B5EF4-FFF2-40B4-BE49-F238E27FC236}">
-                <a16:creationId xmlns:a16="http://schemas.microsoft.com/office/drawing/2014/main" id="{C3718DBF-8233-A5C4-D89D-CF7F7AB786EC}"/>
+                <a16:creationId xmlns:a16="http://schemas.microsoft.com/office/drawing/2014/main" id="{01A3FABC-2A5C-E4A8-1ED7-60C10FFA46A1}"/>
               </a:ext>
             </a:extLst>
           </p:cNvPr>
@@ -1396,7 +1396,7 @@
           <a:bodyPr/>
           <a:lstStyle/>
           <a:p>
-            <a:fld id="{F3C43C17-5A91-467D-A3F4-4D3BC3AFC442}" type="datetimeFigureOut">
+            <a:fld id="{2168DDBA-0C92-435F-B883-8F6E3DA821E4}" type="datetimeFigureOut">
               <a:rPr lang="zh-CN" altLang="en-US" smtClean="0"/>
               <a:t>2024/3/10</a:t>
             </a:fld>
@@ -1409,7 +1409,7 @@
           <p:cNvPr id="6" name="页脚占位符 5">
             <a:extLst>
               <a:ext uri="{FF2B5EF4-FFF2-40B4-BE49-F238E27FC236}">
-                <a16:creationId xmlns:a16="http://schemas.microsoft.com/office/drawing/2014/main" id="{3E753A4D-8F68-229B-1E2F-A9978202F85A}"/>
+                <a16:creationId xmlns:a16="http://schemas.microsoft.com/office/drawing/2014/main" id="{98719D34-4CEE-20AC-2431-D57BF67A1263}"/>
               </a:ext>
             </a:extLst>
           </p:cNvPr>
@@ -1434,7 +1434,7 @@
           <p:cNvPr id="7" name="灯片编号占位符 6">
             <a:extLst>
               <a:ext uri="{FF2B5EF4-FFF2-40B4-BE49-F238E27FC236}">
-                <a16:creationId xmlns:a16="http://schemas.microsoft.com/office/drawing/2014/main" id="{C5498225-7F84-B05F-8B1B-CDDBD3744797}"/>
+                <a16:creationId xmlns:a16="http://schemas.microsoft.com/office/drawing/2014/main" id="{A1C99342-72D8-C2C1-352C-92D8E9432C11}"/>
               </a:ext>
             </a:extLst>
           </p:cNvPr>
@@ -1450,7 +1450,7 @@
           <a:bodyPr/>
           <a:lstStyle/>
           <a:p>
-            <a:fld id="{817E6F54-4845-4219-AD59-5804FC835621}" type="slidenum">
+            <a:fld id="{F1DBF208-221E-41EA-9543-EFC3B52DA92F}" type="slidenum">
               <a:rPr lang="zh-CN" altLang="en-US" smtClean="0"/>
               <a:t>‹#›</a:t>
             </a:fld>
@@ -1461,7 +1461,7 @@
     </p:spTree>
     <p:extLst>
       <p:ext uri="{BB962C8B-B14F-4D97-AF65-F5344CB8AC3E}">
-        <p14:creationId xmlns:p14="http://schemas.microsoft.com/office/powerpoint/2010/main" val="708428413"/>
+        <p14:creationId xmlns:p14="http://schemas.microsoft.com/office/powerpoint/2010/main" val="114094309"/>
       </p:ext>
     </p:extLst>
   </p:cSld>
@@ -1493,7 +1493,7 @@
           <p:cNvPr id="2" name="标题 1">
             <a:extLst>
               <a:ext uri="{FF2B5EF4-FFF2-40B4-BE49-F238E27FC236}">
-                <a16:creationId xmlns:a16="http://schemas.microsoft.com/office/drawing/2014/main" id="{173898E4-CD0E-FE72-0DB3-380338479DE9}"/>
+                <a16:creationId xmlns:a16="http://schemas.microsoft.com/office/drawing/2014/main" id="{97AA6E85-434D-B9E2-7F21-6B7D3908C6F9}"/>
               </a:ext>
             </a:extLst>
           </p:cNvPr>
@@ -1526,7 +1526,7 @@
           <p:cNvPr id="3" name="文本占位符 2">
             <a:extLst>
               <a:ext uri="{FF2B5EF4-FFF2-40B4-BE49-F238E27FC236}">
-                <a16:creationId xmlns:a16="http://schemas.microsoft.com/office/drawing/2014/main" id="{44E6050B-D93E-3492-9950-1350AA018D4F}"/>
+                <a16:creationId xmlns:a16="http://schemas.microsoft.com/office/drawing/2014/main" id="{CBF883D4-96EC-C3CC-E620-52815C44BEF8}"/>
               </a:ext>
             </a:extLst>
           </p:cNvPr>
@@ -1597,7 +1597,7 @@
           <p:cNvPr id="4" name="内容占位符 3">
             <a:extLst>
               <a:ext uri="{FF2B5EF4-FFF2-40B4-BE49-F238E27FC236}">
-                <a16:creationId xmlns:a16="http://schemas.microsoft.com/office/drawing/2014/main" id="{F4F25777-158C-BBDF-E16D-8E048A12BF03}"/>
+                <a16:creationId xmlns:a16="http://schemas.microsoft.com/office/drawing/2014/main" id="{397F06CA-E944-EA4E-6743-704CE4A3E208}"/>
               </a:ext>
             </a:extLst>
           </p:cNvPr>
@@ -1659,7 +1659,7 @@
           <p:cNvPr id="5" name="文本占位符 4">
             <a:extLst>
               <a:ext uri="{FF2B5EF4-FFF2-40B4-BE49-F238E27FC236}">
-                <a16:creationId xmlns:a16="http://schemas.microsoft.com/office/drawing/2014/main" id="{FBE9DC2A-39C4-5745-0B16-139D7C90786B}"/>
+                <a16:creationId xmlns:a16="http://schemas.microsoft.com/office/drawing/2014/main" id="{D8304E30-FB5E-E2E3-839C-55F645B807B4}"/>
               </a:ext>
             </a:extLst>
           </p:cNvPr>
@@ -1730,7 +1730,7 @@
           <p:cNvPr id="6" name="内容占位符 5">
             <a:extLst>
               <a:ext uri="{FF2B5EF4-FFF2-40B4-BE49-F238E27FC236}">
-                <a16:creationId xmlns:a16="http://schemas.microsoft.com/office/drawing/2014/main" id="{6C0B58FF-CB6E-D75B-5CB4-DCF3A5FFDC8A}"/>
+                <a16:creationId xmlns:a16="http://schemas.microsoft.com/office/drawing/2014/main" id="{BD026E7F-3D79-43AC-475A-FF5C9A1B9D63}"/>
               </a:ext>
             </a:extLst>
           </p:cNvPr>
@@ -1792,7 +1792,7 @@
           <p:cNvPr id="7" name="日期占位符 6">
             <a:extLst>
               <a:ext uri="{FF2B5EF4-FFF2-40B4-BE49-F238E27FC236}">
-                <a16:creationId xmlns:a16="http://schemas.microsoft.com/office/drawing/2014/main" id="{7F657D48-0E36-E6CB-397B-EF52AACCAE67}"/>
+                <a16:creationId xmlns:a16="http://schemas.microsoft.com/office/drawing/2014/main" id="{07C76EAE-2826-F2B1-11F2-D5F9283C8CB1}"/>
               </a:ext>
             </a:extLst>
           </p:cNvPr>
@@ -1808,7 +1808,7 @@
           <a:bodyPr/>
           <a:lstStyle/>
           <a:p>
-            <a:fld id="{F3C43C17-5A91-467D-A3F4-4D3BC3AFC442}" type="datetimeFigureOut">
+            <a:fld id="{2168DDBA-0C92-435F-B883-8F6E3DA821E4}" type="datetimeFigureOut">
               <a:rPr lang="zh-CN" altLang="en-US" smtClean="0"/>
               <a:t>2024/3/10</a:t>
             </a:fld>
@@ -1821,7 +1821,7 @@
           <p:cNvPr id="8" name="页脚占位符 7">
             <a:extLst>
               <a:ext uri="{FF2B5EF4-FFF2-40B4-BE49-F238E27FC236}">
-                <a16:creationId xmlns:a16="http://schemas.microsoft.com/office/drawing/2014/main" id="{2ADE1A75-8090-1500-F1E3-4C349CF62119}"/>
+                <a16:creationId xmlns:a16="http://schemas.microsoft.com/office/drawing/2014/main" id="{5C3AFFC3-1283-326A-8A3B-CA0856EA374C}"/>
               </a:ext>
             </a:extLst>
           </p:cNvPr>
@@ -1846,7 +1846,7 @@
           <p:cNvPr id="9" name="灯片编号占位符 8">
             <a:extLst>
               <a:ext uri="{FF2B5EF4-FFF2-40B4-BE49-F238E27FC236}">
-                <a16:creationId xmlns:a16="http://schemas.microsoft.com/office/drawing/2014/main" id="{3DCD271C-EE14-B145-C42C-B5461048EF45}"/>
+                <a16:creationId xmlns:a16="http://schemas.microsoft.com/office/drawing/2014/main" id="{97ED418F-DB75-A069-1835-34378BE7AE14}"/>
               </a:ext>
             </a:extLst>
           </p:cNvPr>
@@ -1862,7 +1862,7 @@
           <a:bodyPr/>
           <a:lstStyle/>
           <a:p>
-            <a:fld id="{817E6F54-4845-4219-AD59-5804FC835621}" type="slidenum">
+            <a:fld id="{F1DBF208-221E-41EA-9543-EFC3B52DA92F}" type="slidenum">
               <a:rPr lang="zh-CN" altLang="en-US" smtClean="0"/>
               <a:t>‹#›</a:t>
             </a:fld>
@@ -1873,7 +1873,7 @@
     </p:spTree>
     <p:extLst>
       <p:ext uri="{BB962C8B-B14F-4D97-AF65-F5344CB8AC3E}">
-        <p14:creationId xmlns:p14="http://schemas.microsoft.com/office/powerpoint/2010/main" val="988187792"/>
+        <p14:creationId xmlns:p14="http://schemas.microsoft.com/office/powerpoint/2010/main" val="3920927627"/>
       </p:ext>
     </p:extLst>
   </p:cSld>
@@ -1905,7 +1905,7 @@
           <p:cNvPr id="2" name="标题 1">
             <a:extLst>
               <a:ext uri="{FF2B5EF4-FFF2-40B4-BE49-F238E27FC236}">
-                <a16:creationId xmlns:a16="http://schemas.microsoft.com/office/drawing/2014/main" id="{87667D7E-1033-8DA8-A066-B76E9F4B47B0}"/>
+                <a16:creationId xmlns:a16="http://schemas.microsoft.com/office/drawing/2014/main" id="{8EB0A075-6D61-7F05-47FB-83CB25B3555D}"/>
               </a:ext>
             </a:extLst>
           </p:cNvPr>
@@ -1933,7 +1933,7 @@
           <p:cNvPr id="3" name="日期占位符 2">
             <a:extLst>
               <a:ext uri="{FF2B5EF4-FFF2-40B4-BE49-F238E27FC236}">
-                <a16:creationId xmlns:a16="http://schemas.microsoft.com/office/drawing/2014/main" id="{746218DF-8781-B832-DD42-F569F614C4B3}"/>
+                <a16:creationId xmlns:a16="http://schemas.microsoft.com/office/drawing/2014/main" id="{18199CE7-CFCC-96A9-B45B-D44E2ABACB99}"/>
               </a:ext>
             </a:extLst>
           </p:cNvPr>
@@ -1949,7 +1949,7 @@
           <a:bodyPr/>
           <a:lstStyle/>
           <a:p>
-            <a:fld id="{F3C43C17-5A91-467D-A3F4-4D3BC3AFC442}" type="datetimeFigureOut">
+            <a:fld id="{2168DDBA-0C92-435F-B883-8F6E3DA821E4}" type="datetimeFigureOut">
               <a:rPr lang="zh-CN" altLang="en-US" smtClean="0"/>
               <a:t>2024/3/10</a:t>
             </a:fld>
@@ -1962,7 +1962,7 @@
           <p:cNvPr id="4" name="页脚占位符 3">
             <a:extLst>
               <a:ext uri="{FF2B5EF4-FFF2-40B4-BE49-F238E27FC236}">
-                <a16:creationId xmlns:a16="http://schemas.microsoft.com/office/drawing/2014/main" id="{AD95DF36-3D45-3152-EFCB-507357E69AF5}"/>
+                <a16:creationId xmlns:a16="http://schemas.microsoft.com/office/drawing/2014/main" id="{C1ED97D9-E35C-97E1-B72C-3E6F4FC10A02}"/>
               </a:ext>
             </a:extLst>
           </p:cNvPr>
@@ -1987,7 +1987,7 @@
           <p:cNvPr id="5" name="灯片编号占位符 4">
             <a:extLst>
               <a:ext uri="{FF2B5EF4-FFF2-40B4-BE49-F238E27FC236}">
-                <a16:creationId xmlns:a16="http://schemas.microsoft.com/office/drawing/2014/main" id="{1F5D15B7-CFF4-E0F1-82C6-5B6520A11B81}"/>
+                <a16:creationId xmlns:a16="http://schemas.microsoft.com/office/drawing/2014/main" id="{EA659AFA-5E24-FBF0-8A51-240D80987665}"/>
               </a:ext>
             </a:extLst>
           </p:cNvPr>
@@ -2003,7 +2003,7 @@
           <a:bodyPr/>
           <a:lstStyle/>
           <a:p>
-            <a:fld id="{817E6F54-4845-4219-AD59-5804FC835621}" type="slidenum">
+            <a:fld id="{F1DBF208-221E-41EA-9543-EFC3B52DA92F}" type="slidenum">
               <a:rPr lang="zh-CN" altLang="en-US" smtClean="0"/>
               <a:t>‹#›</a:t>
             </a:fld>
@@ -2014,7 +2014,7 @@
     </p:spTree>
     <p:extLst>
       <p:ext uri="{BB962C8B-B14F-4D97-AF65-F5344CB8AC3E}">
-        <p14:creationId xmlns:p14="http://schemas.microsoft.com/office/powerpoint/2010/main" val="4239096891"/>
+        <p14:creationId xmlns:p14="http://schemas.microsoft.com/office/powerpoint/2010/main" val="251645993"/>
       </p:ext>
     </p:extLst>
   </p:cSld>
@@ -2046,7 +2046,7 @@
           <p:cNvPr id="2" name="日期占位符 1">
             <a:extLst>
               <a:ext uri="{FF2B5EF4-FFF2-40B4-BE49-F238E27FC236}">
-                <a16:creationId xmlns:a16="http://schemas.microsoft.com/office/drawing/2014/main" id="{CBE7C514-975F-215F-E56C-F95D28C35AB6}"/>
+                <a16:creationId xmlns:a16="http://schemas.microsoft.com/office/drawing/2014/main" id="{03B54447-0115-C729-8F96-911B4A36D29A}"/>
               </a:ext>
             </a:extLst>
           </p:cNvPr>
@@ -2062,7 +2062,7 @@
           <a:bodyPr/>
           <a:lstStyle/>
           <a:p>
-            <a:fld id="{F3C43C17-5A91-467D-A3F4-4D3BC3AFC442}" type="datetimeFigureOut">
+            <a:fld id="{2168DDBA-0C92-435F-B883-8F6E3DA821E4}" type="datetimeFigureOut">
               <a:rPr lang="zh-CN" altLang="en-US" smtClean="0"/>
               <a:t>2024/3/10</a:t>
             </a:fld>
@@ -2075,7 +2075,7 @@
           <p:cNvPr id="3" name="页脚占位符 2">
             <a:extLst>
               <a:ext uri="{FF2B5EF4-FFF2-40B4-BE49-F238E27FC236}">
-                <a16:creationId xmlns:a16="http://schemas.microsoft.com/office/drawing/2014/main" id="{F27762BB-E413-9DF1-F4FD-6951D5315D16}"/>
+                <a16:creationId xmlns:a16="http://schemas.microsoft.com/office/drawing/2014/main" id="{3F7CFC0C-BCE1-3427-6A1E-4C6BFE557D0C}"/>
               </a:ext>
             </a:extLst>
           </p:cNvPr>
@@ -2100,7 +2100,7 @@
           <p:cNvPr id="4" name="灯片编号占位符 3">
             <a:extLst>
               <a:ext uri="{FF2B5EF4-FFF2-40B4-BE49-F238E27FC236}">
-                <a16:creationId xmlns:a16="http://schemas.microsoft.com/office/drawing/2014/main" id="{F8578835-978E-F991-4653-327420B2CE34}"/>
+                <a16:creationId xmlns:a16="http://schemas.microsoft.com/office/drawing/2014/main" id="{3C653DDD-3510-6419-C6AB-F8A226B8EF42}"/>
               </a:ext>
             </a:extLst>
           </p:cNvPr>
@@ -2116,7 +2116,7 @@
           <a:bodyPr/>
           <a:lstStyle/>
           <a:p>
-            <a:fld id="{817E6F54-4845-4219-AD59-5804FC835621}" type="slidenum">
+            <a:fld id="{F1DBF208-221E-41EA-9543-EFC3B52DA92F}" type="slidenum">
               <a:rPr lang="zh-CN" altLang="en-US" smtClean="0"/>
               <a:t>‹#›</a:t>
             </a:fld>
@@ -2127,7 +2127,7 @@
     </p:spTree>
     <p:extLst>
       <p:ext uri="{BB962C8B-B14F-4D97-AF65-F5344CB8AC3E}">
-        <p14:creationId xmlns:p14="http://schemas.microsoft.com/office/powerpoint/2010/main" val="3327998827"/>
+        <p14:creationId xmlns:p14="http://schemas.microsoft.com/office/powerpoint/2010/main" val="57962146"/>
       </p:ext>
     </p:extLst>
   </p:cSld>
@@ -2159,7 +2159,7 @@
           <p:cNvPr id="2" name="标题 1">
             <a:extLst>
               <a:ext uri="{FF2B5EF4-FFF2-40B4-BE49-F238E27FC236}">
-                <a16:creationId xmlns:a16="http://schemas.microsoft.com/office/drawing/2014/main" id="{EF3BB633-A355-4232-81BC-445C12E4F4B7}"/>
+                <a16:creationId xmlns:a16="http://schemas.microsoft.com/office/drawing/2014/main" id="{DFEB5CE8-C901-15B1-B801-A5FDD22FDD08}"/>
               </a:ext>
             </a:extLst>
           </p:cNvPr>
@@ -2196,7 +2196,7 @@
           <p:cNvPr id="3" name="内容占位符 2">
             <a:extLst>
               <a:ext uri="{FF2B5EF4-FFF2-40B4-BE49-F238E27FC236}">
-                <a16:creationId xmlns:a16="http://schemas.microsoft.com/office/drawing/2014/main" id="{C0370A27-BC3B-BF85-ACE9-2716C90DA806}"/>
+                <a16:creationId xmlns:a16="http://schemas.microsoft.com/office/drawing/2014/main" id="{797C8E83-BF8A-3473-03B8-460ED0C6F146}"/>
               </a:ext>
             </a:extLst>
           </p:cNvPr>
@@ -2286,7 +2286,7 @@
           <p:cNvPr id="4" name="文本占位符 3">
             <a:extLst>
               <a:ext uri="{FF2B5EF4-FFF2-40B4-BE49-F238E27FC236}">
-                <a16:creationId xmlns:a16="http://schemas.microsoft.com/office/drawing/2014/main" id="{17D9097B-33AF-F880-4EAF-7A8FFB5CD426}"/>
+                <a16:creationId xmlns:a16="http://schemas.microsoft.com/office/drawing/2014/main" id="{57AA3ED7-1DDE-261A-0EA2-E2D2C52098A3}"/>
               </a:ext>
             </a:extLst>
           </p:cNvPr>
@@ -2357,7 +2357,7 @@
           <p:cNvPr id="5" name="日期占位符 4">
             <a:extLst>
               <a:ext uri="{FF2B5EF4-FFF2-40B4-BE49-F238E27FC236}">
-                <a16:creationId xmlns:a16="http://schemas.microsoft.com/office/drawing/2014/main" id="{D2E18DC8-0519-F77F-65D0-D42C2858790F}"/>
+                <a16:creationId xmlns:a16="http://schemas.microsoft.com/office/drawing/2014/main" id="{3526EE73-DE8D-68F3-C7AA-731677C7AF4C}"/>
               </a:ext>
             </a:extLst>
           </p:cNvPr>
@@ -2373,7 +2373,7 @@
           <a:bodyPr/>
           <a:lstStyle/>
           <a:p>
-            <a:fld id="{F3C43C17-5A91-467D-A3F4-4D3BC3AFC442}" type="datetimeFigureOut">
+            <a:fld id="{2168DDBA-0C92-435F-B883-8F6E3DA821E4}" type="datetimeFigureOut">
               <a:rPr lang="zh-CN" altLang="en-US" smtClean="0"/>
               <a:t>2024/3/10</a:t>
             </a:fld>
@@ -2386,7 +2386,7 @@
           <p:cNvPr id="6" name="页脚占位符 5">
             <a:extLst>
               <a:ext uri="{FF2B5EF4-FFF2-40B4-BE49-F238E27FC236}">
-                <a16:creationId xmlns:a16="http://schemas.microsoft.com/office/drawing/2014/main" id="{3A3F1ED9-23E8-C346-22B0-E970F7EA7BA8}"/>
+                <a16:creationId xmlns:a16="http://schemas.microsoft.com/office/drawing/2014/main" id="{7F378739-4EE1-A75D-B958-328DA0AE5A01}"/>
               </a:ext>
             </a:extLst>
           </p:cNvPr>
@@ -2411,7 +2411,7 @@
           <p:cNvPr id="7" name="灯片编号占位符 6">
             <a:extLst>
               <a:ext uri="{FF2B5EF4-FFF2-40B4-BE49-F238E27FC236}">
-                <a16:creationId xmlns:a16="http://schemas.microsoft.com/office/drawing/2014/main" id="{5FE1C74F-A926-796D-EAC4-9BA8F87E69DB}"/>
+                <a16:creationId xmlns:a16="http://schemas.microsoft.com/office/drawing/2014/main" id="{94147AF2-16A3-C7D5-8E95-D7D7FA67BE6E}"/>
               </a:ext>
             </a:extLst>
           </p:cNvPr>
@@ -2427,7 +2427,7 @@
           <a:bodyPr/>
           <a:lstStyle/>
           <a:p>
-            <a:fld id="{817E6F54-4845-4219-AD59-5804FC835621}" type="slidenum">
+            <a:fld id="{F1DBF208-221E-41EA-9543-EFC3B52DA92F}" type="slidenum">
               <a:rPr lang="zh-CN" altLang="en-US" smtClean="0"/>
               <a:t>‹#›</a:t>
             </a:fld>
@@ -2438,7 +2438,7 @@
     </p:spTree>
     <p:extLst>
       <p:ext uri="{BB962C8B-B14F-4D97-AF65-F5344CB8AC3E}">
-        <p14:creationId xmlns:p14="http://schemas.microsoft.com/office/powerpoint/2010/main" val="831958179"/>
+        <p14:creationId xmlns:p14="http://schemas.microsoft.com/office/powerpoint/2010/main" val="1568882889"/>
       </p:ext>
     </p:extLst>
   </p:cSld>
@@ -2470,7 +2470,7 @@
           <p:cNvPr id="2" name="标题 1">
             <a:extLst>
               <a:ext uri="{FF2B5EF4-FFF2-40B4-BE49-F238E27FC236}">
-                <a16:creationId xmlns:a16="http://schemas.microsoft.com/office/drawing/2014/main" id="{88C998A9-712C-923C-8592-B1DC3EE0ED53}"/>
+                <a16:creationId xmlns:a16="http://schemas.microsoft.com/office/drawing/2014/main" id="{729E8F45-66E2-5F42-67A6-0F112F223E44}"/>
               </a:ext>
             </a:extLst>
           </p:cNvPr>
@@ -2507,7 +2507,7 @@
           <p:cNvPr id="3" name="图片占位符 2">
             <a:extLst>
               <a:ext uri="{FF2B5EF4-FFF2-40B4-BE49-F238E27FC236}">
-                <a16:creationId xmlns:a16="http://schemas.microsoft.com/office/drawing/2014/main" id="{7CA747C3-B3C4-9B42-0D5D-D9CA899E079C}"/>
+                <a16:creationId xmlns:a16="http://schemas.microsoft.com/office/drawing/2014/main" id="{FCAB2BEF-ADFA-46D5-31C8-01032DD32293}"/>
               </a:ext>
             </a:extLst>
           </p:cNvPr>
@@ -2574,7 +2574,7 @@
           <p:cNvPr id="4" name="文本占位符 3">
             <a:extLst>
               <a:ext uri="{FF2B5EF4-FFF2-40B4-BE49-F238E27FC236}">
-                <a16:creationId xmlns:a16="http://schemas.microsoft.com/office/drawing/2014/main" id="{1927C198-D8C9-5D81-CA0B-40005A557846}"/>
+                <a16:creationId xmlns:a16="http://schemas.microsoft.com/office/drawing/2014/main" id="{57E50259-D65F-5C37-2213-7F57FB736D6D}"/>
               </a:ext>
             </a:extLst>
           </p:cNvPr>
@@ -2645,7 +2645,7 @@
           <p:cNvPr id="5" name="日期占位符 4">
             <a:extLst>
               <a:ext uri="{FF2B5EF4-FFF2-40B4-BE49-F238E27FC236}">
-                <a16:creationId xmlns:a16="http://schemas.microsoft.com/office/drawing/2014/main" id="{AB3C01CF-8F25-86C4-063E-B67F3ED594DD}"/>
+                <a16:creationId xmlns:a16="http://schemas.microsoft.com/office/drawing/2014/main" id="{D5D70811-8D63-5286-02B4-D73EC3A794D7}"/>
               </a:ext>
             </a:extLst>
           </p:cNvPr>
@@ -2661,7 +2661,7 @@
           <a:bodyPr/>
           <a:lstStyle/>
           <a:p>
-            <a:fld id="{F3C43C17-5A91-467D-A3F4-4D3BC3AFC442}" type="datetimeFigureOut">
+            <a:fld id="{2168DDBA-0C92-435F-B883-8F6E3DA821E4}" type="datetimeFigureOut">
               <a:rPr lang="zh-CN" altLang="en-US" smtClean="0"/>
               <a:t>2024/3/10</a:t>
             </a:fld>
@@ -2674,7 +2674,7 @@
           <p:cNvPr id="6" name="页脚占位符 5">
             <a:extLst>
               <a:ext uri="{FF2B5EF4-FFF2-40B4-BE49-F238E27FC236}">
-                <a16:creationId xmlns:a16="http://schemas.microsoft.com/office/drawing/2014/main" id="{39096608-7888-D9AA-1536-EB8944E22995}"/>
+                <a16:creationId xmlns:a16="http://schemas.microsoft.com/office/drawing/2014/main" id="{97D2F9A2-3977-1CCB-C22F-2ABB6FDC1DD0}"/>
               </a:ext>
             </a:extLst>
           </p:cNvPr>
@@ -2699,7 +2699,7 @@
           <p:cNvPr id="7" name="灯片编号占位符 6">
             <a:extLst>
               <a:ext uri="{FF2B5EF4-FFF2-40B4-BE49-F238E27FC236}">
-                <a16:creationId xmlns:a16="http://schemas.microsoft.com/office/drawing/2014/main" id="{7DF7FB22-4CE1-ABF4-1F7F-DC29C767F3EB}"/>
+                <a16:creationId xmlns:a16="http://schemas.microsoft.com/office/drawing/2014/main" id="{B5EEEF33-58A4-3E44-F168-433560672406}"/>
               </a:ext>
             </a:extLst>
           </p:cNvPr>
@@ -2715,7 +2715,7 @@
           <a:bodyPr/>
           <a:lstStyle/>
           <a:p>
-            <a:fld id="{817E6F54-4845-4219-AD59-5804FC835621}" type="slidenum">
+            <a:fld id="{F1DBF208-221E-41EA-9543-EFC3B52DA92F}" type="slidenum">
               <a:rPr lang="zh-CN" altLang="en-US" smtClean="0"/>
               <a:t>‹#›</a:t>
             </a:fld>
@@ -2726,7 +2726,7 @@
     </p:spTree>
     <p:extLst>
       <p:ext uri="{BB962C8B-B14F-4D97-AF65-F5344CB8AC3E}">
-        <p14:creationId xmlns:p14="http://schemas.microsoft.com/office/powerpoint/2010/main" val="1900053197"/>
+        <p14:creationId xmlns:p14="http://schemas.microsoft.com/office/powerpoint/2010/main" val="1907652104"/>
       </p:ext>
     </p:extLst>
   </p:cSld>
@@ -2763,7 +2763,7 @@
           <p:cNvPr id="2" name="标题占位符 1">
             <a:extLst>
               <a:ext uri="{FF2B5EF4-FFF2-40B4-BE49-F238E27FC236}">
-                <a16:creationId xmlns:a16="http://schemas.microsoft.com/office/drawing/2014/main" id="{42B144BB-4D37-CA94-092F-02DB8D326287}"/>
+                <a16:creationId xmlns:a16="http://schemas.microsoft.com/office/drawing/2014/main" id="{1C7927EF-CA23-3DF9-8AEF-CFED23462986}"/>
               </a:ext>
             </a:extLst>
           </p:cNvPr>
@@ -2801,7 +2801,7 @@
           <p:cNvPr id="3" name="文本占位符 2">
             <a:extLst>
               <a:ext uri="{FF2B5EF4-FFF2-40B4-BE49-F238E27FC236}">
-                <a16:creationId xmlns:a16="http://schemas.microsoft.com/office/drawing/2014/main" id="{7D1A6164-8832-7AB8-DE25-B97A9E860659}"/>
+                <a16:creationId xmlns:a16="http://schemas.microsoft.com/office/drawing/2014/main" id="{EA1C25CC-808A-FDC1-96D4-CA9B3203EBDD}"/>
               </a:ext>
             </a:extLst>
           </p:cNvPr>
@@ -2868,7 +2868,7 @@
           <p:cNvPr id="4" name="日期占位符 3">
             <a:extLst>
               <a:ext uri="{FF2B5EF4-FFF2-40B4-BE49-F238E27FC236}">
-                <a16:creationId xmlns:a16="http://schemas.microsoft.com/office/drawing/2014/main" id="{BD130DA4-3647-1082-E737-CE967498843E}"/>
+                <a16:creationId xmlns:a16="http://schemas.microsoft.com/office/drawing/2014/main" id="{629722B8-3FFB-1DC8-9D41-7CADE2E1BC21}"/>
               </a:ext>
             </a:extLst>
           </p:cNvPr>
@@ -2902,7 +2902,7 @@
             </a:lvl1pPr>
           </a:lstStyle>
           <a:p>
-            <a:fld id="{F3C43C17-5A91-467D-A3F4-4D3BC3AFC442}" type="datetimeFigureOut">
+            <a:fld id="{2168DDBA-0C92-435F-B883-8F6E3DA821E4}" type="datetimeFigureOut">
               <a:rPr lang="zh-CN" altLang="en-US" smtClean="0"/>
               <a:t>2024/3/10</a:t>
             </a:fld>
@@ -2915,7 +2915,7 @@
           <p:cNvPr id="5" name="页脚占位符 4">
             <a:extLst>
               <a:ext uri="{FF2B5EF4-FFF2-40B4-BE49-F238E27FC236}">
-                <a16:creationId xmlns:a16="http://schemas.microsoft.com/office/drawing/2014/main" id="{F7385836-017F-7439-3725-332D40210086}"/>
+                <a16:creationId xmlns:a16="http://schemas.microsoft.com/office/drawing/2014/main" id="{CACDEA4A-1FFE-E662-3EC2-829009264902}"/>
               </a:ext>
             </a:extLst>
           </p:cNvPr>
@@ -2958,7 +2958,7 @@
           <p:cNvPr id="6" name="灯片编号占位符 5">
             <a:extLst>
               <a:ext uri="{FF2B5EF4-FFF2-40B4-BE49-F238E27FC236}">
-                <a16:creationId xmlns:a16="http://schemas.microsoft.com/office/drawing/2014/main" id="{883E896D-555F-AA89-990B-A2FE21C4B1B2}"/>
+                <a16:creationId xmlns:a16="http://schemas.microsoft.com/office/drawing/2014/main" id="{970268EF-8214-1407-C1CC-78C288CAB820}"/>
               </a:ext>
             </a:extLst>
           </p:cNvPr>
@@ -2992,7 +2992,7 @@
             </a:lvl1pPr>
           </a:lstStyle>
           <a:p>
-            <a:fld id="{817E6F54-4845-4219-AD59-5804FC835621}" type="slidenum">
+            <a:fld id="{F1DBF208-221E-41EA-9543-EFC3B52DA92F}" type="slidenum">
               <a:rPr lang="zh-CN" altLang="en-US" smtClean="0"/>
               <a:t>‹#›</a:t>
             </a:fld>
@@ -3003,7 +3003,7 @@
     </p:spTree>
     <p:extLst>
       <p:ext uri="{BB962C8B-B14F-4D97-AF65-F5344CB8AC3E}">
-        <p14:creationId xmlns:p14="http://schemas.microsoft.com/office/powerpoint/2010/main" val="1298875"/>
+        <p14:creationId xmlns:p14="http://schemas.microsoft.com/office/powerpoint/2010/main" val="2886184450"/>
       </p:ext>
     </p:extLst>
   </p:cSld>
@@ -3323,7 +3323,7 @@
       </p:grpSpPr>
       <p:pic>
         <p:nvPicPr>
-          <p:cNvPr id="428034" name="Picture 2" descr="417"/>
+          <p:cNvPr id="429058" name="Picture 2" descr="418"/>
           <p:cNvPicPr>
             <a:picLocks noChangeAspect="1" noChangeArrowheads="1"/>
           </p:cNvPicPr>
